--- a/hatten/MobilityRatio_ans.pptx
+++ b/hatten/MobilityRatio_ans.pptx
@@ -372,7 +372,7 @@
   <pc:docChgLst>
     <pc:chgData name="hirose taichi" userId="ed2dc4b0-8795-4813-ada8-f41a239e7d7d" providerId="ADAL" clId="{0E519A4C-0843-45A5-99DE-DBCEFC5D1803}"/>
     <pc:docChg chg="undo redo custSel addSld delSld modSld modSection">
-      <pc:chgData name="hirose taichi" userId="ed2dc4b0-8795-4813-ada8-f41a239e7d7d" providerId="ADAL" clId="{0E519A4C-0843-45A5-99DE-DBCEFC5D1803}" dt="2023-01-26T00:16:00.263" v="2233" actId="122"/>
+      <pc:chgData name="hirose taichi" userId="ed2dc4b0-8795-4813-ada8-f41a239e7d7d" providerId="ADAL" clId="{0E519A4C-0843-45A5-99DE-DBCEFC5D1803}" dt="2023-02-01T01:56:43.856" v="2236" actId="207"/>
       <pc:docMkLst>
         <pc:docMk/>
       </pc:docMkLst>
@@ -726,11 +726,19 @@
         </pc:cxnChg>
       </pc:sldChg>
       <pc:sldChg chg="addSp modSp add mod">
-        <pc:chgData name="hirose taichi" userId="ed2dc4b0-8795-4813-ada8-f41a239e7d7d" providerId="ADAL" clId="{0E519A4C-0843-45A5-99DE-DBCEFC5D1803}" dt="2023-01-25T23:51:12.264" v="1090" actId="1076"/>
+        <pc:chgData name="hirose taichi" userId="ed2dc4b0-8795-4813-ada8-f41a239e7d7d" providerId="ADAL" clId="{0E519A4C-0843-45A5-99DE-DBCEFC5D1803}" dt="2023-02-01T01:56:06.118" v="2234" actId="113"/>
         <pc:sldMkLst>
           <pc:docMk/>
           <pc:sldMk cId="399348732" sldId="414"/>
         </pc:sldMkLst>
+        <pc:spChg chg="mod">
+          <ac:chgData name="hirose taichi" userId="ed2dc4b0-8795-4813-ada8-f41a239e7d7d" providerId="ADAL" clId="{0E519A4C-0843-45A5-99DE-DBCEFC5D1803}" dt="2023-02-01T01:56:06.118" v="2234" actId="113"/>
+          <ac:spMkLst>
+            <pc:docMk/>
+            <pc:sldMk cId="399348732" sldId="414"/>
+            <ac:spMk id="2" creationId="{F7375E5F-D030-44AC-A4F4-AE8C9281DED9}"/>
+          </ac:spMkLst>
+        </pc:spChg>
         <pc:spChg chg="mod">
           <ac:chgData name="hirose taichi" userId="ed2dc4b0-8795-4813-ada8-f41a239e7d7d" providerId="ADAL" clId="{0E519A4C-0843-45A5-99DE-DBCEFC5D1803}" dt="2023-01-25T23:49:57.147" v="1073" actId="20577"/>
           <ac:spMkLst>
@@ -788,7 +796,7 @@
         </pc:spChg>
       </pc:sldChg>
       <pc:sldChg chg="addSp modSp new mod">
-        <pc:chgData name="hirose taichi" userId="ed2dc4b0-8795-4813-ada8-f41a239e7d7d" providerId="ADAL" clId="{0E519A4C-0843-45A5-99DE-DBCEFC5D1803}" dt="2023-01-26T00:16:00.263" v="2233" actId="122"/>
+        <pc:chgData name="hirose taichi" userId="ed2dc4b0-8795-4813-ada8-f41a239e7d7d" providerId="ADAL" clId="{0E519A4C-0843-45A5-99DE-DBCEFC5D1803}" dt="2023-02-01T01:56:43.856" v="2236" actId="207"/>
         <pc:sldMkLst>
           <pc:docMk/>
           <pc:sldMk cId="791929858" sldId="416"/>
@@ -818,7 +826,7 @@
           </ac:spMkLst>
         </pc:spChg>
         <pc:spChg chg="add mod">
-          <ac:chgData name="hirose taichi" userId="ed2dc4b0-8795-4813-ada8-f41a239e7d7d" providerId="ADAL" clId="{0E519A4C-0843-45A5-99DE-DBCEFC5D1803}" dt="2023-01-26T00:16:00.263" v="2233" actId="122"/>
+          <ac:chgData name="hirose taichi" userId="ed2dc4b0-8795-4813-ada8-f41a239e7d7d" providerId="ADAL" clId="{0E519A4C-0843-45A5-99DE-DBCEFC5D1803}" dt="2023-02-01T01:56:43.856" v="2236" actId="207"/>
           <ac:spMkLst>
             <pc:docMk/>
             <pc:sldMk cId="791929858" sldId="416"/>
@@ -1097,7 +1105,7 @@
           <a:p>
             <a:fld id="{5186C602-ADD5-904C-8024-0435CAED47E2}" type="datetimeFigureOut">
               <a:rPr kumimoji="1" lang="ja-JP" altLang="en-US" smtClean="0"/>
-              <a:t>2023/1/26</a:t>
+              <a:t>2023/2/1</a:t>
             </a:fld>
             <a:endParaRPr kumimoji="1" lang="ja-JP" altLang="en-US"/>
           </a:p>
@@ -4239,7 +4247,10 @@
                 <a:avLst/>
               </a:prstGeom>
               <a:solidFill>
-                <a:srgbClr val="CF5F13"/>
+                <a:schemeClr val="accent2">
+                  <a:lumMod val="60000"/>
+                  <a:lumOff val="40000"/>
+                </a:schemeClr>
               </a:solidFill>
               <a:ln w="19050">
                 <a:solidFill>
@@ -11979,7 +11990,15 @@
             </a:r>
             <a:r>
               <a:rPr kumimoji="1" lang="ja-JP" altLang="en-US" dirty="0"/>
-              <a:t>では油層に自然状態では存在しないエネルギーを加えて回収率改善を目指す。そこで圧入流体と油の粘度に注目した場合，</a:t>
+              <a:t>では油層に自然状態では存在しないエネルギーを加えて回収率改善を目指す。そこで</a:t>
+            </a:r>
+            <a:r>
+              <a:rPr kumimoji="1" lang="ja-JP" altLang="en-US" b="1" dirty="0"/>
+              <a:t>圧入流体と油の粘度</a:t>
+            </a:r>
+            <a:r>
+              <a:rPr kumimoji="1" lang="ja-JP" altLang="en-US" dirty="0"/>
+              <a:t>に注目した場合，</a:t>
             </a:r>
             <a:endParaRPr kumimoji="1" lang="en-US" altLang="ja-JP" dirty="0"/>
           </a:p>
@@ -13179,8 +13198,8 @@
           <a:chExt cx="0" cy="0"/>
         </a:xfrm>
       </p:grpSpPr>
-      <mc:AlternateContent xmlns:mc="http://schemas.openxmlformats.org/markup-compatibility/2006">
-        <mc:Choice xmlns:a14="http://schemas.microsoft.com/office/drawing/2010/main" Requires="a14">
+      <mc:AlternateContent xmlns:mc="http://schemas.openxmlformats.org/markup-compatibility/2006" xmlns:a14="http://schemas.microsoft.com/office/drawing/2010/main">
+        <mc:Choice Requires="a14">
           <p:sp>
             <p:nvSpPr>
               <p:cNvPr id="2" name="コンテンツ プレースホルダー 1">
@@ -13715,7 +13734,7 @@
             </p:txBody>
           </p:sp>
         </mc:Choice>
-        <mc:Fallback>
+        <mc:Fallback xmlns="">
           <p:sp>
             <p:nvSpPr>
               <p:cNvPr id="2" name="コンテンツ プレースホルダー 1">
